--- a/TSA_Complaints/TSAComplaints.pptx
+++ b/TSA_Complaints/TSAComplaints.pptx
@@ -205,7 +205,7 @@
           <a:p>
             <a:fld id="{F9B26146-9767-4748-AC00-FBE57E5DF566}" type="datetimeFigureOut">
               <a:rPr lang="en-US" smtClean="0"/>
-              <a:t>9/29/25</a:t>
+              <a:t>11/15/25</a:t>
             </a:fld>
             <a:endParaRPr lang="en-US" dirty="0"/>
           </a:p>
@@ -619,7 +619,7 @@
           <a:p>
             <a:fld id="{C814B6C0-49F2-7843-BEF0-7A095E920CA0}" type="datetimeFigureOut">
               <a:rPr lang="en-US" smtClean="0"/>
-              <a:t>9/29/25</a:t>
+              <a:t>11/15/25</a:t>
             </a:fld>
             <a:endParaRPr lang="en-US" dirty="0"/>
           </a:p>
@@ -817,7 +817,7 @@
           <a:p>
             <a:fld id="{C814B6C0-49F2-7843-BEF0-7A095E920CA0}" type="datetimeFigureOut">
               <a:rPr lang="en-US" smtClean="0"/>
-              <a:t>9/29/25</a:t>
+              <a:t>11/15/25</a:t>
             </a:fld>
             <a:endParaRPr lang="en-US" dirty="0"/>
           </a:p>
@@ -1025,7 +1025,7 @@
           <a:p>
             <a:fld id="{C814B6C0-49F2-7843-BEF0-7A095E920CA0}" type="datetimeFigureOut">
               <a:rPr lang="en-US" smtClean="0"/>
-              <a:t>9/29/25</a:t>
+              <a:t>11/15/25</a:t>
             </a:fld>
             <a:endParaRPr lang="en-US" dirty="0"/>
           </a:p>
@@ -1223,7 +1223,7 @@
           <a:p>
             <a:fld id="{C814B6C0-49F2-7843-BEF0-7A095E920CA0}" type="datetimeFigureOut">
               <a:rPr lang="en-US" smtClean="0"/>
-              <a:t>9/29/25</a:t>
+              <a:t>11/15/25</a:t>
             </a:fld>
             <a:endParaRPr lang="en-US" dirty="0"/>
           </a:p>
@@ -1498,7 +1498,7 @@
           <a:p>
             <a:fld id="{C814B6C0-49F2-7843-BEF0-7A095E920CA0}" type="datetimeFigureOut">
               <a:rPr lang="en-US" smtClean="0"/>
-              <a:t>9/29/25</a:t>
+              <a:t>11/15/25</a:t>
             </a:fld>
             <a:endParaRPr lang="en-US" dirty="0"/>
           </a:p>
@@ -1763,7 +1763,7 @@
           <a:p>
             <a:fld id="{C814B6C0-49F2-7843-BEF0-7A095E920CA0}" type="datetimeFigureOut">
               <a:rPr lang="en-US" smtClean="0"/>
-              <a:t>9/29/25</a:t>
+              <a:t>11/15/25</a:t>
             </a:fld>
             <a:endParaRPr lang="en-US" dirty="0"/>
           </a:p>
@@ -2175,7 +2175,7 @@
           <a:p>
             <a:fld id="{C814B6C0-49F2-7843-BEF0-7A095E920CA0}" type="datetimeFigureOut">
               <a:rPr lang="en-US" smtClean="0"/>
-              <a:t>9/29/25</a:t>
+              <a:t>11/15/25</a:t>
             </a:fld>
             <a:endParaRPr lang="en-US" dirty="0"/>
           </a:p>
@@ -2316,7 +2316,7 @@
           <a:p>
             <a:fld id="{C814B6C0-49F2-7843-BEF0-7A095E920CA0}" type="datetimeFigureOut">
               <a:rPr lang="en-US" smtClean="0"/>
-              <a:t>9/29/25</a:t>
+              <a:t>11/15/25</a:t>
             </a:fld>
             <a:endParaRPr lang="en-US" dirty="0"/>
           </a:p>
@@ -2429,7 +2429,7 @@
           <a:p>
             <a:fld id="{C814B6C0-49F2-7843-BEF0-7A095E920CA0}" type="datetimeFigureOut">
               <a:rPr lang="en-US" smtClean="0"/>
-              <a:t>9/29/25</a:t>
+              <a:t>11/15/25</a:t>
             </a:fld>
             <a:endParaRPr lang="en-US" dirty="0"/>
           </a:p>
@@ -2740,7 +2740,7 @@
           <a:p>
             <a:fld id="{C814B6C0-49F2-7843-BEF0-7A095E920CA0}" type="datetimeFigureOut">
               <a:rPr lang="en-US" smtClean="0"/>
-              <a:t>9/29/25</a:t>
+              <a:t>11/15/25</a:t>
             </a:fld>
             <a:endParaRPr lang="en-US" dirty="0"/>
           </a:p>
@@ -3028,7 +3028,7 @@
           <a:p>
             <a:fld id="{C814B6C0-49F2-7843-BEF0-7A095E920CA0}" type="datetimeFigureOut">
               <a:rPr lang="en-US" smtClean="0"/>
-              <a:t>9/29/25</a:t>
+              <a:t>11/15/25</a:t>
             </a:fld>
             <a:endParaRPr lang="en-US" dirty="0"/>
           </a:p>
@@ -3269,7 +3269,7 @@
           <a:p>
             <a:fld id="{C814B6C0-49F2-7843-BEF0-7A095E920CA0}" type="datetimeFigureOut">
               <a:rPr lang="en-US" smtClean="0"/>
-              <a:t>9/29/25</a:t>
+              <a:t>11/15/25</a:t>
             </a:fld>
             <a:endParaRPr lang="en-US" dirty="0"/>
           </a:p>
@@ -3843,46 +3843,6 @@
           </a:effectLst>
         </p:spPr>
       </p:pic>
-      <p:sp>
-        <p:nvSpPr>
-          <p:cNvPr id="4" name="TextBox 3">
-            <a:extLst>
-              <a:ext uri="{FF2B5EF4-FFF2-40B4-BE49-F238E27FC236}">
-                <a16:creationId xmlns:a16="http://schemas.microsoft.com/office/drawing/2014/main" id="{8411FD3E-F51C-858D-02CE-AEA9F9A451F1}"/>
-              </a:ext>
-            </a:extLst>
-          </p:cNvPr>
-          <p:cNvSpPr txBox="1"/>
-          <p:nvPr/>
-        </p:nvSpPr>
-        <p:spPr>
-          <a:xfrm>
-            <a:off x="761800" y="5831865"/>
-            <a:ext cx="1391728" cy="369332"/>
-          </a:xfrm>
-          <a:prstGeom prst="rect">
-            <a:avLst/>
-          </a:prstGeom>
-          <a:noFill/>
-        </p:spPr>
-        <p:txBody>
-          <a:bodyPr wrap="none" rtlCol="0">
-            <a:spAutoFit/>
-          </a:bodyPr>
-          <a:lstStyle/>
-          <a:p>
-            <a:r>
-              <a:rPr lang="en-US" dirty="0">
-                <a:solidFill>
-                  <a:schemeClr val="accent1"/>
-                </a:solidFill>
-              </a:rPr>
-              <a:t>Billie Adkins</a:t>
-            </a:r>
-            <a:endParaRPr lang="en-US" dirty="0"/>
-          </a:p>
-        </p:txBody>
-      </p:sp>
     </p:spTree>
     <p:extLst>
       <p:ext uri="{BB962C8B-B14F-4D97-AF65-F5344CB8AC3E}">
